--- a/Class6_Stats.pptx
+++ b/Class6_Stats.pptx
@@ -4994,7 +4994,7 @@
           <a:p>
             <a:r>
               <a:rPr lang="en-US" dirty="0"/>
-              <a:t>Atlanta annual mean temperature</a:t>
+              <a:t>Atlanta mean August temperature</a:t>
             </a:r>
           </a:p>
           <a:p>
@@ -5117,7 +5117,7 @@
           <a:p>
             <a:r>
               <a:rPr lang="en-US" dirty="0"/>
-              <a:t>Atlanta annual mean temperature</a:t>
+              <a:t>Atlanta mean August temperature</a:t>
             </a:r>
           </a:p>
           <a:p>
